--- a/web二/Web（二）/课件/第一章 JavaScript概述 .pptx
+++ b/web二/Web（二）/课件/第一章 JavaScript概述 .pptx
@@ -170,7 +170,7 @@
   </p:defaultTextStyle>
   <p:extLst>
     <p:ext uri="{EFAFB233-063F-42B5-8137-9DF3F51BA10A}">
-      <p15:sldGuideLst xmlns="" xmlns:p15="http://schemas.microsoft.com/office/powerpoint/2012/main">
+      <p15:sldGuideLst xmlns:p15="http://schemas.microsoft.com/office/powerpoint/2012/main">
         <p15:guide id="1" orient="horz" pos="1584" userDrawn="1">
           <p15:clr>
             <a:srgbClr val="A4A3A4"/>
@@ -2959,7 +2959,7 @@
         </p:blipFill>
         <p:spPr bwMode="auto">
           <a:xfrm>
-            <a:off x="0" y="0"/>
+            <a:off x="0" y="28584"/>
             <a:ext cx="12192000" cy="6858000"/>
           </a:xfrm>
           <a:prstGeom prst="rect">
@@ -3020,7 +3020,7 @@
               <a:t>Web</a:t>
             </a:r>
             <a:r>
-              <a:rPr kumimoji="0" lang="zh-CN" altLang="en-US" sz="4800" b="1" dirty="0" smtClean="0">
+              <a:rPr kumimoji="0" lang="zh-CN" altLang="en-US" sz="4800" b="1" dirty="0">
                 <a:solidFill>
                   <a:schemeClr val="tx2"/>
                 </a:solidFill>
@@ -3095,13 +3095,6 @@
     <a:masterClrMapping/>
   </p:clrMapOvr>
   <p:transition advClick="0"/>
-  <p:timing>
-    <p:tnLst>
-      <p:par>
-        <p:cTn id="1" dur="indefinite" restart="never" nodeType="tmRoot"/>
-      </p:par>
-    </p:tnLst>
-  </p:timing>
 </p:sld>
 </file>
 
@@ -3995,7 +3988,7 @@
           </a:lstStyle>
           <a:p>
             <a:r>
-              <a:rPr lang="en-US" altLang="zh-CN" sz="2800" dirty="0" smtClean="0">
+              <a:rPr lang="en-US" altLang="zh-CN" sz="2800" dirty="0">
                 <a:solidFill>
                   <a:schemeClr val="accent6"/>
                 </a:solidFill>
@@ -4004,7 +3997,7 @@
               <a:t>Java </a:t>
             </a:r>
             <a:r>
-              <a:rPr lang="zh-CN" altLang="en-US" sz="2800" dirty="0" smtClean="0">
+              <a:rPr lang="zh-CN" altLang="en-US" sz="2800" dirty="0">
                 <a:solidFill>
                   <a:schemeClr val="accent6"/>
                 </a:solidFill>
@@ -4013,7 +4006,7 @@
               <a:t>与 </a:t>
             </a:r>
             <a:r>
-              <a:rPr lang="en-US" altLang="zh-CN" sz="2800" dirty="0" smtClean="0">
+              <a:rPr lang="en-US" altLang="zh-CN" sz="2800" dirty="0">
                 <a:solidFill>
                   <a:schemeClr val="accent6"/>
                 </a:solidFill>
@@ -4022,22 +4015,13 @@
               <a:t>JavaScript </a:t>
             </a:r>
             <a:r>
-              <a:rPr lang="zh-CN" altLang="en-US" sz="2800" dirty="0" smtClean="0">
+              <a:rPr lang="zh-CN" altLang="en-US" sz="2800" dirty="0">
                 <a:solidFill>
                   <a:schemeClr val="accent6"/>
                 </a:solidFill>
                 <a:latin typeface="微软雅黑" panose="020B0503020204020204" pitchFamily="34" charset="-122"/>
               </a:rPr>
-              <a:t>的</a:t>
-            </a:r>
-            <a:r>
-              <a:rPr lang="zh-CN" altLang="en-US" sz="2800" dirty="0">
-                <a:solidFill>
-                  <a:schemeClr val="accent6"/>
-                </a:solidFill>
-                <a:latin typeface="微软雅黑" panose="020B0503020204020204" pitchFamily="34" charset="-122"/>
-              </a:rPr>
-              <a:t>区别！</a:t>
+              <a:t>的区别！</a:t>
             </a:r>
           </a:p>
         </p:txBody>
@@ -4738,13 +4722,6 @@
   <p:clrMapOvr>
     <a:masterClrMapping/>
   </p:clrMapOvr>
-  <p:timing>
-    <p:tnLst>
-      <p:par>
-        <p:cTn id="1" dur="indefinite" restart="never" nodeType="tmRoot"/>
-      </p:par>
-    </p:tnLst>
-  </p:timing>
 </p:sld>
 </file>
 
@@ -4877,13 +4854,6 @@
   <p:clrMapOvr>
     <a:masterClrMapping/>
   </p:clrMapOvr>
-  <p:timing>
-    <p:tnLst>
-      <p:par>
-        <p:cTn id="1" dur="indefinite" restart="never" nodeType="tmRoot"/>
-      </p:par>
-    </p:tnLst>
-  </p:timing>
 </p:sld>
 </file>
 
@@ -5067,13 +5037,6 @@
   <p:clrMapOvr>
     <a:masterClrMapping/>
   </p:clrMapOvr>
-  <p:timing>
-    <p:tnLst>
-      <p:par>
-        <p:cTn id="1" dur="indefinite" restart="never" nodeType="tmRoot"/>
-      </p:par>
-    </p:tnLst>
-  </p:timing>
 </p:sld>
 </file>
 
@@ -5312,17 +5275,7 @@
                 <a:latin typeface="+mj-ea"/>
                 <a:ea typeface="+mj-ea"/>
               </a:rPr>
-              <a:t>特</a:t>
-            </a:r>
-            <a:r>
-              <a:rPr lang="zh-CN" altLang="en-US" sz="2800" b="1" dirty="0" smtClean="0">
-                <a:solidFill>
-                  <a:srgbClr val="FF0000"/>
-                </a:solidFill>
-                <a:latin typeface="+mj-ea"/>
-                <a:ea typeface="+mj-ea"/>
-              </a:rPr>
-              <a:t>点</a:t>
+              <a:t>特点</a:t>
             </a:r>
             <a:endParaRPr lang="en-US" altLang="zh-CN" sz="2800" b="1" dirty="0">
               <a:solidFill>
@@ -5609,13 +5562,6 @@
   <p:clrMapOvr>
     <a:masterClrMapping/>
   </p:clrMapOvr>
-  <p:timing>
-    <p:tnLst>
-      <p:par>
-        <p:cTn id="1" dur="indefinite" restart="never" nodeType="tmRoot"/>
-      </p:par>
-    </p:tnLst>
-  </p:timing>
 </p:sld>
 </file>
 
@@ -5717,13 +5663,8 @@
             </a:r>
             <a:r>
               <a:rPr lang="zh-CN" altLang="en-US" dirty="0"/>
-              <a:t>特</a:t>
-            </a:r>
-            <a:r>
-              <a:rPr lang="zh-CN" altLang="en-US" dirty="0" smtClean="0"/>
-              <a:t>点</a:t>
-            </a:r>
-            <a:endParaRPr lang="zh-CN" altLang="en-US" dirty="0"/>
+              <a:t>特点</a:t>
+            </a:r>
           </a:p>
           <a:p>
             <a:endParaRPr lang="zh-CN" altLang="en-US" dirty="0"/>
@@ -5794,13 +5735,6 @@
   <p:clrMapOvr>
     <a:masterClrMapping/>
   </p:clrMapOvr>
-  <p:timing>
-    <p:tnLst>
-      <p:par>
-        <p:cTn id="1" dur="indefinite" restart="never" nodeType="tmRoot"/>
-      </p:par>
-    </p:tnLst>
-  </p:timing>
 </p:sld>
 </file>
 
@@ -5905,13 +5839,8 @@
             </a:r>
             <a:r>
               <a:rPr lang="zh-CN" altLang="en-US" dirty="0"/>
-              <a:t>特</a:t>
-            </a:r>
-            <a:r>
-              <a:rPr lang="zh-CN" altLang="en-US" dirty="0" smtClean="0"/>
-              <a:t>点</a:t>
-            </a:r>
-            <a:endParaRPr lang="zh-CN" altLang="en-US" dirty="0"/>
+              <a:t>特点</a:t>
+            </a:r>
           </a:p>
           <a:p>
             <a:endParaRPr lang="zh-CN" altLang="en-US" dirty="0"/>
@@ -5982,13 +5911,6 @@
   <p:clrMapOvr>
     <a:masterClrMapping/>
   </p:clrMapOvr>
-  <p:timing>
-    <p:tnLst>
-      <p:par>
-        <p:cTn id="1" dur="indefinite" restart="never" nodeType="tmRoot"/>
-      </p:par>
-    </p:tnLst>
-  </p:timing>
 </p:sld>
 </file>
 
@@ -6063,13 +5985,8 @@
             </a:r>
             <a:r>
               <a:rPr lang="zh-CN" altLang="en-US" dirty="0"/>
-              <a:t>特</a:t>
-            </a:r>
-            <a:r>
-              <a:rPr lang="zh-CN" altLang="en-US" dirty="0" smtClean="0"/>
-              <a:t>点</a:t>
-            </a:r>
-            <a:endParaRPr lang="zh-CN" altLang="en-US" dirty="0"/>
+              <a:t>特点</a:t>
+            </a:r>
           </a:p>
           <a:p>
             <a:endParaRPr lang="zh-CN" altLang="en-US" dirty="0"/>
@@ -6140,13 +6057,6 @@
   <p:clrMapOvr>
     <a:masterClrMapping/>
   </p:clrMapOvr>
-  <p:timing>
-    <p:tnLst>
-      <p:par>
-        <p:cTn id="1" dur="indefinite" restart="never" nodeType="tmRoot"/>
-      </p:par>
-    </p:tnLst>
-  </p:timing>
 </p:sld>
 </file>
 
@@ -6375,7 +6285,7 @@
               <a:t>JavaScript </a:t>
             </a:r>
             <a:r>
-              <a:rPr lang="zh-CN" altLang="en-US" sz="2800" b="1" dirty="0" smtClean="0">
+              <a:rPr lang="zh-CN" altLang="en-US" sz="2800" b="1" dirty="0">
                 <a:latin typeface="+mj-ea"/>
                 <a:ea typeface="+mj-ea"/>
               </a:rPr>
@@ -6666,13 +6576,6 @@
   <p:clrMapOvr>
     <a:masterClrMapping/>
   </p:clrMapOvr>
-  <p:timing>
-    <p:tnLst>
-      <p:par>
-        <p:cTn id="1" dur="indefinite" restart="never" nodeType="tmRoot"/>
-      </p:par>
-    </p:tnLst>
-  </p:timing>
 </p:sld>
 </file>
 
@@ -6814,11 +6717,7 @@
             </a:r>
             <a:r>
               <a:rPr lang="en-US" altLang="zh-CN" dirty="0"/>
-              <a:t>JavaScript</a:t>
-            </a:r>
-            <a:r>
-              <a:rPr lang="en-US" altLang="zh-CN" dirty="0" smtClean="0"/>
-              <a:t> </a:t>
+              <a:t>JavaScript </a:t>
             </a:r>
             <a:r>
               <a:rPr lang="zh-CN" altLang="en-US" dirty="0"/>
@@ -6983,7 +6882,7 @@
           </a:lstStyle>
           <a:p>
             <a:r>
-              <a:rPr kumimoji="1" lang="en-US" altLang="zh-CN" sz="2800" dirty="0" smtClean="0"/>
+              <a:rPr kumimoji="1" lang="en-US" altLang="zh-CN" sz="2800" dirty="0"/>
               <a:t>demo1-1.html</a:t>
             </a:r>
             <a:endParaRPr kumimoji="1" lang="zh-CN" altLang="en-US" sz="2800" dirty="0"/>
@@ -7000,13 +6899,6 @@
   <p:clrMapOvr>
     <a:masterClrMapping/>
   </p:clrMapOvr>
-  <p:timing>
-    <p:tnLst>
-      <p:par>
-        <p:cTn id="1" dur="indefinite" restart="never" nodeType="tmRoot"/>
-      </p:par>
-    </p:tnLst>
-  </p:timing>
 </p:sld>
 </file>
 
@@ -7119,13 +7011,6 @@
     <a:masterClrMapping/>
   </p:clrMapOvr>
   <p:transition advClick="0"/>
-  <p:timing>
-    <p:tnLst>
-      <p:par>
-        <p:cTn id="1" dur="indefinite" restart="never" nodeType="tmRoot"/>
-      </p:par>
-    </p:tnLst>
-  </p:timing>
 </p:sld>
 </file>
 
@@ -7250,13 +7135,6 @@
   <p:clrMapOvr>
     <a:masterClrMapping/>
   </p:clrMapOvr>
-  <p:timing>
-    <p:tnLst>
-      <p:par>
-        <p:cTn id="1" dur="indefinite" restart="never" nodeType="tmRoot"/>
-      </p:par>
-    </p:tnLst>
-  </p:timing>
 </p:sld>
 </file>
 
@@ -7569,13 +7447,6 @@
   <p:clrMapOvr>
     <a:masterClrMapping/>
   </p:clrMapOvr>
-  <p:timing>
-    <p:tnLst>
-      <p:par>
-        <p:cTn id="1" dur="indefinite" restart="never" nodeType="tmRoot"/>
-      </p:par>
-    </p:tnLst>
-  </p:timing>
 </p:sld>
 </file>
 
@@ -7849,7 +7720,7 @@
               <a:t>放在 </a:t>
             </a:r>
             <a:r>
-              <a:rPr lang="en-US" altLang="zh-CN" sz="2800" dirty="0" smtClean="0">
+              <a:rPr lang="en-US" altLang="zh-CN" sz="2800" dirty="0">
                 <a:solidFill>
                   <a:srgbClr val="FF0000"/>
                 </a:solidFill>
@@ -7858,38 +7729,14 @@
               <a:t>&lt;body&gt; </a:t>
             </a:r>
             <a:r>
-              <a:rPr lang="zh-CN" altLang="en-US" sz="2800" dirty="0" smtClean="0">
+              <a:rPr lang="zh-CN" altLang="en-US" sz="2800" dirty="0">
                 <a:solidFill>
                   <a:srgbClr val="000000"/>
                 </a:solidFill>
                 <a:latin typeface="微软雅黑" pitchFamily="34" charset="-122"/>
               </a:rPr>
-              <a:t>结束</a:t>
-            </a:r>
-            <a:r>
-              <a:rPr lang="zh-CN" altLang="en-US" sz="2800" dirty="0">
-                <a:solidFill>
-                  <a:srgbClr val="000000"/>
-                </a:solidFill>
-                <a:latin typeface="微软雅黑" pitchFamily="34" charset="-122"/>
-              </a:rPr>
-              <a:t>标签</a:t>
-            </a:r>
-            <a:r>
-              <a:rPr lang="zh-CN" altLang="en-US" sz="2800" dirty="0" smtClean="0">
-                <a:solidFill>
-                  <a:srgbClr val="000000"/>
-                </a:solidFill>
-                <a:latin typeface="微软雅黑" pitchFamily="34" charset="-122"/>
-              </a:rPr>
-              <a:t>之前</a:t>
-            </a:r>
-            <a:endParaRPr lang="zh-CN" altLang="en-US" sz="2800" dirty="0">
-              <a:solidFill>
-                <a:srgbClr val="000000"/>
-              </a:solidFill>
-              <a:latin typeface="微软雅黑" pitchFamily="34" charset="-122"/>
-            </a:endParaRPr>
+              <a:t>结束标签之前</a:t>
+            </a:r>
           </a:p>
         </p:txBody>
       </p:sp>
@@ -7981,13 +7828,6 @@
   <p:clrMapOvr>
     <a:masterClrMapping/>
   </p:clrMapOvr>
-  <p:timing>
-    <p:tnLst>
-      <p:par>
-        <p:cTn id="1" dur="indefinite" restart="never" nodeType="tmRoot"/>
-      </p:par>
-    </p:tnLst>
-  </p:timing>
 </p:sld>
 </file>
 
@@ -8621,7 +8461,7 @@
           </a:lstStyle>
           <a:p>
             <a:r>
-              <a:rPr kumimoji="1" lang="en-US" altLang="zh-CN" sz="2800" smtClean="0">
+              <a:rPr kumimoji="1" lang="en-US" altLang="zh-CN" sz="2800">
                 <a:latin typeface="微软雅黑" pitchFamily="34" charset="-122"/>
               </a:rPr>
               <a:t>demo1-2.html</a:t>
@@ -9039,13 +8879,6 @@
   <p:clrMapOvr>
     <a:masterClrMapping/>
   </p:clrMapOvr>
-  <p:timing>
-    <p:tnLst>
-      <p:par>
-        <p:cTn id="1" dur="indefinite" restart="never" nodeType="tmRoot"/>
-      </p:par>
-    </p:tnLst>
-  </p:timing>
 </p:sld>
 </file>
 
@@ -9537,13 +9370,6 @@
   <p:clrMapOvr>
     <a:masterClrMapping/>
   </p:clrMapOvr>
-  <p:timing>
-    <p:tnLst>
-      <p:par>
-        <p:cTn id="1" dur="indefinite" restart="never" nodeType="tmRoot"/>
-      </p:par>
-    </p:tnLst>
-  </p:timing>
 </p:sld>
 </file>
 
@@ -9791,37 +9617,19 @@
               <a:rPr lang="zh-CN" altLang="en-US" sz="2800" dirty="0">
                 <a:latin typeface="微软雅黑" panose="020B0503020204020204" pitchFamily="34" charset="-122"/>
               </a:rPr>
-              <a:t>标签中间不能</a:t>
-            </a:r>
-            <a:r>
-              <a:rPr lang="zh-CN" altLang="en-US" sz="2800" dirty="0" smtClean="0">
-                <a:latin typeface="微软雅黑" panose="020B0503020204020204" pitchFamily="34" charset="-122"/>
-              </a:rPr>
-              <a:t>写</a:t>
+              <a:t>标签中间不能写</a:t>
             </a:r>
             <a:r>
               <a:rPr lang="en-US" altLang="zh-CN" sz="2800" dirty="0">
                 <a:latin typeface="微软雅黑" panose="020B0503020204020204" pitchFamily="34" charset="-122"/>
               </a:rPr>
-              <a:t> </a:t>
-            </a:r>
-            <a:r>
-              <a:rPr lang="en-US" altLang="zh-CN" sz="2800" dirty="0" smtClean="0">
-                <a:latin typeface="微软雅黑" panose="020B0503020204020204" pitchFamily="34" charset="-122"/>
-              </a:rPr>
-              <a:t>JavaScript </a:t>
-            </a:r>
-            <a:r>
-              <a:rPr lang="zh-CN" altLang="en-US" sz="2800" dirty="0" smtClean="0">
-                <a:latin typeface="微软雅黑" panose="020B0503020204020204" pitchFamily="34" charset="-122"/>
-              </a:rPr>
-              <a:t>代码</a:t>
+              <a:t> JavaScript </a:t>
             </a:r>
             <a:r>
               <a:rPr lang="zh-CN" altLang="en-US" sz="2800" dirty="0">
                 <a:latin typeface="微软雅黑" panose="020B0503020204020204" pitchFamily="34" charset="-122"/>
               </a:rPr>
-              <a:t>。</a:t>
+              <a:t>代码。</a:t>
             </a:r>
             <a:endParaRPr lang="en-US" altLang="zh-CN" sz="2800" dirty="0">
               <a:latin typeface="微软雅黑" panose="020B0503020204020204" pitchFamily="34" charset="-122"/>
@@ -10061,7 +9869,6 @@
           <a:ln>
             <a:noFill/>
           </a:ln>
-          <a:extLst/>
         </p:spPr>
         <p:txBody>
           <a:bodyPr wrap="square">
@@ -10180,67 +9987,31 @@
               <a:rPr lang="zh-CN" altLang="en-US" sz="2800" dirty="0">
                 <a:latin typeface="微软雅黑" panose="020B0503020204020204" pitchFamily="34" charset="-122"/>
               </a:rPr>
-              <a:t>若同时有</a:t>
-            </a:r>
-            <a:r>
-              <a:rPr lang="zh-CN" altLang="en-US" sz="2800" dirty="0" smtClean="0">
-                <a:latin typeface="微软雅黑" panose="020B0503020204020204" pitchFamily="34" charset="-122"/>
-              </a:rPr>
-              <a:t>外部</a:t>
+              <a:t>若同时有外部</a:t>
             </a:r>
             <a:r>
               <a:rPr lang="en-US" altLang="zh-CN" sz="2800" dirty="0">
                 <a:latin typeface="微软雅黑" panose="020B0503020204020204" pitchFamily="34" charset="-122"/>
               </a:rPr>
-              <a:t> </a:t>
-            </a:r>
-            <a:r>
-              <a:rPr lang="en-US" altLang="zh-CN" sz="2800" dirty="0" smtClean="0">
-                <a:latin typeface="微软雅黑" panose="020B0503020204020204" pitchFamily="34" charset="-122"/>
-              </a:rPr>
-              <a:t>JavaScript </a:t>
-            </a:r>
-            <a:r>
-              <a:rPr lang="zh-CN" altLang="en-US" sz="2800" dirty="0" smtClean="0">
-                <a:latin typeface="微软雅黑" panose="020B0503020204020204" pitchFamily="34" charset="-122"/>
-              </a:rPr>
-              <a:t>文件</a:t>
+              <a:t> JavaScript </a:t>
             </a:r>
             <a:r>
               <a:rPr lang="zh-CN" altLang="en-US" sz="2800" dirty="0">
                 <a:latin typeface="微软雅黑" panose="020B0503020204020204" pitchFamily="34" charset="-122"/>
               </a:rPr>
-              <a:t>引入与</a:t>
-            </a:r>
-            <a:r>
-              <a:rPr lang="zh-CN" altLang="en-US" sz="2800" dirty="0" smtClean="0">
-                <a:latin typeface="微软雅黑" panose="020B0503020204020204" pitchFamily="34" charset="-122"/>
-              </a:rPr>
-              <a:t>内部</a:t>
+              <a:t>文件引入与内部</a:t>
             </a:r>
             <a:r>
               <a:rPr lang="en-US" altLang="zh-CN" sz="2800" dirty="0">
                 <a:latin typeface="微软雅黑" panose="020B0503020204020204" pitchFamily="34" charset="-122"/>
               </a:rPr>
-              <a:t> </a:t>
-            </a:r>
-            <a:r>
-              <a:rPr lang="en-US" altLang="zh-CN" sz="2800" dirty="0" smtClean="0">
-                <a:latin typeface="微软雅黑" panose="020B0503020204020204" pitchFamily="34" charset="-122"/>
-              </a:rPr>
-              <a:t>JavaScript </a:t>
-            </a:r>
-            <a:r>
-              <a:rPr lang="zh-CN" altLang="en-US" sz="2800" dirty="0" smtClean="0">
-                <a:latin typeface="微软雅黑" panose="020B0503020204020204" pitchFamily="34" charset="-122"/>
-              </a:rPr>
-              <a:t>代码</a:t>
+              <a:t> JavaScript </a:t>
             </a:r>
             <a:r>
               <a:rPr lang="zh-CN" altLang="en-US" sz="2800" dirty="0">
                 <a:latin typeface="微软雅黑" panose="020B0503020204020204" pitchFamily="34" charset="-122"/>
               </a:rPr>
-              <a:t>，</a:t>
+              <a:t>代码，</a:t>
             </a:r>
             <a:r>
               <a:rPr lang="zh-CN" altLang="en-US" dirty="0">
@@ -10249,34 +10020,16 @@
                 </a:solidFill>
                 <a:latin typeface="微软雅黑" panose="020B0503020204020204" pitchFamily="34" charset="-122"/>
               </a:rPr>
-              <a:t>需要各自</a:t>
-            </a:r>
-            <a:r>
-              <a:rPr lang="zh-CN" altLang="en-US" dirty="0" smtClean="0">
+              <a:t>需要各自使用</a:t>
+            </a:r>
+            <a:r>
+              <a:rPr lang="en-US" altLang="zh-CN" dirty="0">
                 <a:solidFill>
                   <a:srgbClr val="FF0000"/>
                 </a:solidFill>
                 <a:latin typeface="微软雅黑" panose="020B0503020204020204" pitchFamily="34" charset="-122"/>
               </a:rPr>
-              <a:t>使用</a:t>
-            </a:r>
-            <a:r>
-              <a:rPr lang="en-US" altLang="zh-CN" dirty="0" smtClean="0">
-                <a:solidFill>
-                  <a:srgbClr val="FF0000"/>
-                </a:solidFill>
-                <a:latin typeface="微软雅黑" panose="020B0503020204020204" pitchFamily="34" charset="-122"/>
-              </a:rPr>
-              <a:t>&lt;</a:t>
-            </a:r>
-            <a:r>
-              <a:rPr lang="en-US" altLang="zh-CN" dirty="0">
-                <a:solidFill>
-                  <a:srgbClr val="FF0000"/>
-                </a:solidFill>
-                <a:latin typeface="微软雅黑" panose="020B0503020204020204" pitchFamily="34" charset="-122"/>
-              </a:rPr>
-              <a:t>script&gt; </a:t>
+              <a:t>&lt;script&gt; </a:t>
             </a:r>
             <a:r>
               <a:rPr lang="zh-CN" altLang="en-US" dirty="0">
@@ -10483,7 +10236,7 @@
               <a:t>文件与内部 </a:t>
             </a:r>
             <a:r>
-              <a:rPr kumimoji="0" lang="en-US" altLang="zh-CN" dirty="0" smtClean="0"/>
+              <a:rPr kumimoji="0" lang="en-US" altLang="zh-CN" dirty="0"/>
               <a:t>JavaScript </a:t>
             </a:r>
             <a:r>
@@ -11226,16 +10979,24 @@
               <a:t> </a:t>
             </a:r>
             <a:r>
-              <a:rPr kumimoji="0" lang="en-US" altLang="zh-CN" dirty="0" err="1" smtClean="0"/>
+              <a:rPr kumimoji="0" lang="en-US" altLang="zh-CN" dirty="0" err="1"/>
               <a:t>VScode</a:t>
             </a:r>
             <a:r>
-              <a:rPr kumimoji="0" lang="zh-CN" altLang="en-US" dirty="0" smtClean="0"/>
+              <a:rPr kumimoji="0" lang="zh-CN" altLang="en-US" dirty="0"/>
               <a:t>、</a:t>
             </a:r>
             <a:r>
-              <a:rPr kumimoji="0" lang="en-US" altLang="zh-CN" dirty="0" smtClean="0"/>
+              <a:rPr kumimoji="0" lang="en-US" altLang="zh-CN" dirty="0"/>
               <a:t>Dreamweaver</a:t>
+            </a:r>
+            <a:r>
+              <a:rPr kumimoji="0" lang="zh-CN" altLang="en-US" dirty="0"/>
+              <a:t>、</a:t>
+            </a:r>
+            <a:r>
+              <a:rPr kumimoji="0" lang="en-US" altLang="zh-CN" dirty="0" err="1"/>
+              <a:t>webstrom</a:t>
             </a:r>
             <a:endParaRPr kumimoji="0" lang="en-US" altLang="zh-CN" dirty="0"/>
           </a:p>
@@ -11298,13 +11059,6 @@
   <p:clrMapOvr>
     <a:masterClrMapping/>
   </p:clrMapOvr>
-  <p:timing>
-    <p:tnLst>
-      <p:par>
-        <p:cTn id="1" dur="indefinite" restart="never" nodeType="tmRoot"/>
-      </p:par>
-    </p:tnLst>
-  </p:timing>
 </p:sld>
 </file>
 
@@ -11403,7 +11157,7 @@
               <a:t>高级程序设计</a:t>
             </a:r>
             <a:r>
-              <a:rPr lang="en-US" altLang="zh-CN" smtClean="0"/>
+              <a:rPr lang="en-US" altLang="zh-CN"/>
               <a:t>》</a:t>
             </a:r>
             <a:endParaRPr lang="en-US" altLang="zh-CN" dirty="0"/>
@@ -11553,13 +11307,6 @@
   <p:clrMapOvr>
     <a:masterClrMapping/>
   </p:clrMapOvr>
-  <p:timing>
-    <p:tnLst>
-      <p:par>
-        <p:cTn id="1" dur="indefinite" restart="never" nodeType="tmRoot"/>
-      </p:par>
-    </p:tnLst>
-  </p:timing>
 </p:sld>
 </file>
 
@@ -11629,7 +11376,7 @@
               <a:t> Web </a:t>
             </a:r>
             <a:r>
-              <a:rPr kumimoji="0" lang="zh-CN" altLang="en-US" dirty="0" smtClean="0"/>
+              <a:rPr kumimoji="0" lang="zh-CN" altLang="en-US" dirty="0"/>
               <a:t>开发一：</a:t>
             </a:r>
             <a:r>
@@ -11655,7 +11402,7 @@
               <a:t> Web </a:t>
             </a:r>
             <a:r>
-              <a:rPr kumimoji="0" lang="zh-CN" altLang="en-US" smtClean="0">
+              <a:rPr kumimoji="0" lang="zh-CN" altLang="en-US">
                 <a:solidFill>
                   <a:srgbClr val="FF0000"/>
                 </a:solidFill>
@@ -11663,18 +11410,13 @@
               <a:t>开发二：</a:t>
             </a:r>
             <a:r>
-              <a:rPr kumimoji="0" lang="en-US" altLang="zh-CN" dirty="0" smtClean="0">
+              <a:rPr kumimoji="0" lang="en-US" altLang="zh-CN" dirty="0">
                 <a:solidFill>
                   <a:srgbClr val="FF0000"/>
                 </a:solidFill>
               </a:rPr>
               <a:t>JavaScript</a:t>
             </a:r>
-            <a:endParaRPr kumimoji="0" lang="en-US" altLang="zh-CN" dirty="0">
-              <a:solidFill>
-                <a:srgbClr val="FF0000"/>
-              </a:solidFill>
-            </a:endParaRPr>
           </a:p>
           <a:p>
             <a:r>
@@ -11682,15 +11424,15 @@
               <a:t> </a:t>
             </a:r>
             <a:r>
-              <a:rPr kumimoji="0" lang="en-US" altLang="zh-CN" dirty="0" err="1" smtClean="0"/>
+              <a:rPr kumimoji="0" lang="en-US" altLang="zh-CN" dirty="0" err="1"/>
               <a:t>jQuery</a:t>
             </a:r>
             <a:r>
-              <a:rPr kumimoji="0" lang="zh-CN" altLang="en-US" dirty="0" smtClean="0"/>
+              <a:rPr kumimoji="0" lang="zh-CN" altLang="en-US" dirty="0"/>
               <a:t>、</a:t>
             </a:r>
             <a:r>
-              <a:rPr kumimoji="0" lang="en-US" altLang="zh-CN" dirty="0" smtClean="0"/>
+              <a:rPr kumimoji="0" lang="en-US" altLang="zh-CN" dirty="0"/>
               <a:t>HTML5</a:t>
             </a:r>
             <a:r>
@@ -12411,10 +12153,10 @@
               <a:t> JavaScript </a:t>
             </a:r>
             <a:r>
-              <a:rPr kumimoji="0" lang="zh-CN" altLang="en-US" dirty="0" smtClean="0"/>
+              <a:rPr kumimoji="0" lang="zh-CN" altLang="en-US" dirty="0"/>
               <a:t>简介</a:t>
             </a:r>
-            <a:endParaRPr kumimoji="0" lang="en-US" altLang="zh-CN" dirty="0" smtClean="0"/>
+            <a:endParaRPr kumimoji="0" lang="en-US" altLang="zh-CN" dirty="0"/>
           </a:p>
           <a:p>
             <a:pPr lvl="1">
@@ -12467,27 +12209,19 @@
               <a:t>安全性能</a:t>
             </a:r>
             <a:r>
-              <a:rPr lang="zh-CN" altLang="en-US" dirty="0" smtClean="0"/>
+              <a:rPr lang="zh-CN" altLang="en-US" dirty="0"/>
               <a:t>的</a:t>
             </a:r>
             <a:r>
-              <a:rPr lang="zh-CN" altLang="en-US" dirty="0" smtClean="0">
+              <a:rPr lang="zh-CN" altLang="en-US" dirty="0">
                 <a:solidFill>
                   <a:srgbClr val="FF0000"/>
                 </a:solidFill>
               </a:rPr>
-              <a:t>脚本</a:t>
-            </a:r>
-            <a:r>
-              <a:rPr lang="zh-CN" altLang="en-US" dirty="0">
-                <a:solidFill>
-                  <a:srgbClr val="FF0000"/>
-                </a:solidFill>
-              </a:rPr>
-              <a:t>语言</a:t>
-            </a:r>
-            <a:r>
-              <a:rPr lang="zh-CN" altLang="en-US" dirty="0" smtClean="0"/>
+              <a:t>脚本语言</a:t>
+            </a:r>
+            <a:r>
+              <a:rPr lang="zh-CN" altLang="en-US" dirty="0"/>
               <a:t>。</a:t>
             </a:r>
             <a:endParaRPr kumimoji="0" lang="en-US" altLang="zh-CN" dirty="0"/>
@@ -12551,13 +12285,6 @@
   <p:clrMapOvr>
     <a:masterClrMapping/>
   </p:clrMapOvr>
-  <p:timing>
-    <p:tnLst>
-      <p:par>
-        <p:cTn id="1" dur="indefinite" restart="never" nodeType="tmRoot"/>
-      </p:par>
-    </p:tnLst>
-  </p:timing>
 </p:sld>
 </file>
 
@@ -12848,13 +12575,6 @@
   <p:clrMapOvr>
     <a:masterClrMapping/>
   </p:clrMapOvr>
-  <p:timing>
-    <p:tnLst>
-      <p:par>
-        <p:cTn id="1" dur="indefinite" restart="never" nodeType="tmRoot"/>
-      </p:par>
-    </p:tnLst>
-  </p:timing>
 </p:sld>
 </file>
 
@@ -13017,13 +12737,6 @@
   <p:clrMapOvr>
     <a:masterClrMapping/>
   </p:clrMapOvr>
-  <p:timing>
-    <p:tnLst>
-      <p:par>
-        <p:cTn id="1" dur="indefinite" restart="never" nodeType="tmRoot"/>
-      </p:par>
-    </p:tnLst>
-  </p:timing>
 </p:sld>
 </file>
 
@@ -13564,13 +13277,6 @@
   <p:clrMapOvr>
     <a:masterClrMapping/>
   </p:clrMapOvr>
-  <p:timing>
-    <p:tnLst>
-      <p:par>
-        <p:cTn id="1" dur="indefinite" restart="never" nodeType="tmRoot"/>
-      </p:par>
-    </p:tnLst>
-  </p:timing>
 </p:sld>
 </file>
 
@@ -13607,10 +13313,9 @@
           <a:lstStyle/>
           <a:p>
             <a:r>
-              <a:rPr lang="zh-CN" altLang="en-US" dirty="0" smtClean="0"/>
+              <a:rPr lang="zh-CN" altLang="en-US" dirty="0"/>
               <a:t>成绩分布</a:t>
             </a:r>
-            <a:endParaRPr lang="zh-CN" altLang="en-US" dirty="0"/>
           </a:p>
         </p:txBody>
       </p:sp>
@@ -13688,13 +13393,6 @@
   <p:clrMapOvr>
     <a:masterClrMapping/>
   </p:clrMapOvr>
-  <p:timing>
-    <p:tnLst>
-      <p:par>
-        <p:cTn id="1" dur="indefinite" restart="never" nodeType="tmRoot"/>
-      </p:par>
-    </p:tnLst>
-  </p:timing>
 </p:sld>
 </file>
 
@@ -13936,13 +13634,6 @@
     <a:masterClrMapping/>
   </p:clrMapOvr>
   <p:transition advClick="0"/>
-  <p:timing>
-    <p:tnLst>
-      <p:par>
-        <p:cTn id="1" dur="indefinite" restart="never" nodeType="tmRoot"/>
-      </p:par>
-    </p:tnLst>
-  </p:timing>
 </p:sld>
 </file>
 
@@ -14172,11 +13863,7 @@
             </a:r>
             <a:r>
               <a:rPr lang="zh-CN" altLang="en-US" sz="2800" b="1" dirty="0"/>
-              <a:t>特</a:t>
-            </a:r>
-            <a:r>
-              <a:rPr lang="zh-CN" altLang="en-US" sz="2800" b="1" dirty="0" smtClean="0"/>
-              <a:t>点</a:t>
+              <a:t>特点</a:t>
             </a:r>
             <a:endParaRPr lang="en-US" altLang="zh-CN" sz="2800" b="1" dirty="0"/>
           </a:p>
@@ -14451,13 +14138,6 @@
   <p:clrMapOvr>
     <a:masterClrMapping/>
   </p:clrMapOvr>
-  <p:timing>
-    <p:tnLst>
-      <p:par>
-        <p:cTn id="1" dur="indefinite" restart="never" nodeType="tmRoot"/>
-      </p:par>
-    </p:tnLst>
-  </p:timing>
 </p:sld>
 </file>
 
